--- a/Presentaciones/clase5.pptx
+++ b/Presentaciones/clase5.pptx
@@ -250,7 +250,7 @@
           <a:p>
             <a:fld id="{C00B18FF-BE9F-47AF-BA03-017D6307D170}" type="datetimeFigureOut">
               <a:rPr lang="es-MX" smtClean="0"/>
-              <a:t>19/10/2020</a:t>
+              <a:t>03/11/2020</a:t>
             </a:fld>
             <a:endParaRPr lang="es-MX"/>
           </a:p>
@@ -420,7 +420,7 @@
           <a:p>
             <a:fld id="{C00B18FF-BE9F-47AF-BA03-017D6307D170}" type="datetimeFigureOut">
               <a:rPr lang="es-MX" smtClean="0"/>
-              <a:t>19/10/2020</a:t>
+              <a:t>03/11/2020</a:t>
             </a:fld>
             <a:endParaRPr lang="es-MX"/>
           </a:p>
@@ -600,7 +600,7 @@
           <a:p>
             <a:fld id="{C00B18FF-BE9F-47AF-BA03-017D6307D170}" type="datetimeFigureOut">
               <a:rPr lang="es-MX" smtClean="0"/>
-              <a:t>19/10/2020</a:t>
+              <a:t>03/11/2020</a:t>
             </a:fld>
             <a:endParaRPr lang="es-MX"/>
           </a:p>
@@ -770,7 +770,7 @@
           <a:p>
             <a:fld id="{C00B18FF-BE9F-47AF-BA03-017D6307D170}" type="datetimeFigureOut">
               <a:rPr lang="es-MX" smtClean="0"/>
-              <a:t>19/10/2020</a:t>
+              <a:t>03/11/2020</a:t>
             </a:fld>
             <a:endParaRPr lang="es-MX"/>
           </a:p>
@@ -1016,7 +1016,7 @@
           <a:p>
             <a:fld id="{C00B18FF-BE9F-47AF-BA03-017D6307D170}" type="datetimeFigureOut">
               <a:rPr lang="es-MX" smtClean="0"/>
-              <a:t>19/10/2020</a:t>
+              <a:t>03/11/2020</a:t>
             </a:fld>
             <a:endParaRPr lang="es-MX"/>
           </a:p>
@@ -1248,7 +1248,7 @@
           <a:p>
             <a:fld id="{C00B18FF-BE9F-47AF-BA03-017D6307D170}" type="datetimeFigureOut">
               <a:rPr lang="es-MX" smtClean="0"/>
-              <a:t>19/10/2020</a:t>
+              <a:t>03/11/2020</a:t>
             </a:fld>
             <a:endParaRPr lang="es-MX"/>
           </a:p>
@@ -1615,7 +1615,7 @@
           <a:p>
             <a:fld id="{C00B18FF-BE9F-47AF-BA03-017D6307D170}" type="datetimeFigureOut">
               <a:rPr lang="es-MX" smtClean="0"/>
-              <a:t>19/10/2020</a:t>
+              <a:t>03/11/2020</a:t>
             </a:fld>
             <a:endParaRPr lang="es-MX"/>
           </a:p>
@@ -1733,7 +1733,7 @@
           <a:p>
             <a:fld id="{C00B18FF-BE9F-47AF-BA03-017D6307D170}" type="datetimeFigureOut">
               <a:rPr lang="es-MX" smtClean="0"/>
-              <a:t>19/10/2020</a:t>
+              <a:t>03/11/2020</a:t>
             </a:fld>
             <a:endParaRPr lang="es-MX"/>
           </a:p>
@@ -1828,7 +1828,7 @@
           <a:p>
             <a:fld id="{C00B18FF-BE9F-47AF-BA03-017D6307D170}" type="datetimeFigureOut">
               <a:rPr lang="es-MX" smtClean="0"/>
-              <a:t>19/10/2020</a:t>
+              <a:t>03/11/2020</a:t>
             </a:fld>
             <a:endParaRPr lang="es-MX"/>
           </a:p>
@@ -2105,7 +2105,7 @@
           <a:p>
             <a:fld id="{C00B18FF-BE9F-47AF-BA03-017D6307D170}" type="datetimeFigureOut">
               <a:rPr lang="es-MX" smtClean="0"/>
-              <a:t>19/10/2020</a:t>
+              <a:t>03/11/2020</a:t>
             </a:fld>
             <a:endParaRPr lang="es-MX"/>
           </a:p>
@@ -2358,7 +2358,7 @@
           <a:p>
             <a:fld id="{C00B18FF-BE9F-47AF-BA03-017D6307D170}" type="datetimeFigureOut">
               <a:rPr lang="es-MX" smtClean="0"/>
-              <a:t>19/10/2020</a:t>
+              <a:t>03/11/2020</a:t>
             </a:fld>
             <a:endParaRPr lang="es-MX"/>
           </a:p>
@@ -2426,7 +2426,6 @@
       <p:bgPr>
         <a:blipFill dpi="0" rotWithShape="1">
           <a:blip r:embed="rId13">
-            <a:alphaModFix amt="23000"/>
             <a:lum/>
           </a:blip>
           <a:srcRect/>
@@ -2581,7 +2580,7 @@
           <a:p>
             <a:fld id="{C00B18FF-BE9F-47AF-BA03-017D6307D170}" type="datetimeFigureOut">
               <a:rPr lang="es-MX" smtClean="0"/>
-              <a:t>19/10/2020</a:t>
+              <a:t>03/11/2020</a:t>
             </a:fld>
             <a:endParaRPr lang="es-MX"/>
           </a:p>
@@ -3600,21 +3599,6 @@
 <file path=ppt/slides/slide4.xml><?xml version="1.0" encoding="utf-8"?>
 <p:sld xmlns:a="http://schemas.openxmlformats.org/drawingml/2006/main" xmlns:r="http://schemas.openxmlformats.org/officeDocument/2006/relationships" xmlns:p="http://schemas.openxmlformats.org/presentationml/2006/main">
   <p:cSld>
-    <p:bg>
-      <p:bgPr>
-        <a:blipFill dpi="0" rotWithShape="1">
-          <a:blip r:embed="rId2">
-            <a:alphaModFix amt="20000"/>
-            <a:lum/>
-          </a:blip>
-          <a:srcRect/>
-          <a:stretch>
-            <a:fillRect t="-9000" b="-9000"/>
-          </a:stretch>
-        </a:blipFill>
-        <a:effectLst/>
-      </p:bgPr>
-    </p:bg>
     <p:spTree>
       <p:nvGrpSpPr>
         <p:cNvPr id="1" name=""/>
@@ -3736,7 +3720,7 @@
           <p:nvPr/>
         </p:nvPicPr>
         <p:blipFill>
-          <a:blip r:embed="rId3"/>
+          <a:blip r:embed="rId2"/>
           <a:stretch>
             <a:fillRect/>
           </a:stretch>
